--- a/slides/Pandas.pptx
+++ b/slides/Pandas.pptx
@@ -133,6 +133,11 @@
       </a:defRPr>
     </a:lvl9pPr>
   </p:defaultTextStyle>
+  <p:extLst>
+    <p:ext uri="{EFAFB233-063F-42B5-8137-9DF3F51BA10A}">
+      <p15:sldGuideLst xmlns:p15="http://schemas.microsoft.com/office/powerpoint/2012/main"/>
+    </p:ext>
+  </p:extLst>
 </p:presentation>
 </file>
 
@@ -218,7 +223,7 @@
           <a:p>
             <a:fld id="{48D94837-A9FA-41EF-A070-C06C433B2F4B}" type="datetimeFigureOut">
               <a:rPr lang="en-US" smtClean="0"/>
-              <a:t>2022-11-20</a:t>
+              <a:t>2023-01-08</a:t>
             </a:fld>
             <a:endParaRPr lang="en-US"/>
           </a:p>
@@ -632,7 +637,7 @@
           <a:p>
             <a:fld id="{616472D5-3E1D-453B-86B9-BFC4A60E45BD}" type="datetimeFigureOut">
               <a:rPr lang="en-US" smtClean="0"/>
-              <a:t>2022-11-20</a:t>
+              <a:t>2023-01-08</a:t>
             </a:fld>
             <a:endParaRPr lang="en-US"/>
           </a:p>
@@ -830,7 +835,7 @@
           <a:p>
             <a:fld id="{616472D5-3E1D-453B-86B9-BFC4A60E45BD}" type="datetimeFigureOut">
               <a:rPr lang="en-US" smtClean="0"/>
-              <a:t>2022-11-20</a:t>
+              <a:t>2023-01-08</a:t>
             </a:fld>
             <a:endParaRPr lang="en-US"/>
           </a:p>
@@ -1038,7 +1043,7 @@
           <a:p>
             <a:fld id="{616472D5-3E1D-453B-86B9-BFC4A60E45BD}" type="datetimeFigureOut">
               <a:rPr lang="en-US" smtClean="0"/>
-              <a:t>2022-11-20</a:t>
+              <a:t>2023-01-08</a:t>
             </a:fld>
             <a:endParaRPr lang="en-US"/>
           </a:p>
@@ -1236,7 +1241,7 @@
           <a:p>
             <a:fld id="{616472D5-3E1D-453B-86B9-BFC4A60E45BD}" type="datetimeFigureOut">
               <a:rPr lang="en-US" smtClean="0"/>
-              <a:t>2022-11-20</a:t>
+              <a:t>2023-01-08</a:t>
             </a:fld>
             <a:endParaRPr lang="en-US"/>
           </a:p>
@@ -1511,7 +1516,7 @@
           <a:p>
             <a:fld id="{616472D5-3E1D-453B-86B9-BFC4A60E45BD}" type="datetimeFigureOut">
               <a:rPr lang="en-US" smtClean="0"/>
-              <a:t>2022-11-20</a:t>
+              <a:t>2023-01-08</a:t>
             </a:fld>
             <a:endParaRPr lang="en-US"/>
           </a:p>
@@ -1776,7 +1781,7 @@
           <a:p>
             <a:fld id="{616472D5-3E1D-453B-86B9-BFC4A60E45BD}" type="datetimeFigureOut">
               <a:rPr lang="en-US" smtClean="0"/>
-              <a:t>2022-11-20</a:t>
+              <a:t>2023-01-08</a:t>
             </a:fld>
             <a:endParaRPr lang="en-US"/>
           </a:p>
@@ -2188,7 +2193,7 @@
           <a:p>
             <a:fld id="{616472D5-3E1D-453B-86B9-BFC4A60E45BD}" type="datetimeFigureOut">
               <a:rPr lang="en-US" smtClean="0"/>
-              <a:t>2022-11-20</a:t>
+              <a:t>2023-01-08</a:t>
             </a:fld>
             <a:endParaRPr lang="en-US"/>
           </a:p>
@@ -2329,7 +2334,7 @@
           <a:p>
             <a:fld id="{616472D5-3E1D-453B-86B9-BFC4A60E45BD}" type="datetimeFigureOut">
               <a:rPr lang="en-US" smtClean="0"/>
-              <a:t>2022-11-20</a:t>
+              <a:t>2023-01-08</a:t>
             </a:fld>
             <a:endParaRPr lang="en-US"/>
           </a:p>
@@ -2442,7 +2447,7 @@
           <a:p>
             <a:fld id="{616472D5-3E1D-453B-86B9-BFC4A60E45BD}" type="datetimeFigureOut">
               <a:rPr lang="en-US" smtClean="0"/>
-              <a:t>2022-11-20</a:t>
+              <a:t>2023-01-08</a:t>
             </a:fld>
             <a:endParaRPr lang="en-US"/>
           </a:p>
@@ -2753,7 +2758,7 @@
           <a:p>
             <a:fld id="{616472D5-3E1D-453B-86B9-BFC4A60E45BD}" type="datetimeFigureOut">
               <a:rPr lang="en-US" smtClean="0"/>
-              <a:t>2022-11-20</a:t>
+              <a:t>2023-01-08</a:t>
             </a:fld>
             <a:endParaRPr lang="en-US"/>
           </a:p>
@@ -3041,7 +3046,7 @@
           <a:p>
             <a:fld id="{616472D5-3E1D-453B-86B9-BFC4A60E45BD}" type="datetimeFigureOut">
               <a:rPr lang="en-US" smtClean="0"/>
-              <a:t>2022-11-20</a:t>
+              <a:t>2023-01-08</a:t>
             </a:fld>
             <a:endParaRPr lang="en-US"/>
           </a:p>
@@ -3282,7 +3287,7 @@
           <a:p>
             <a:fld id="{616472D5-3E1D-453B-86B9-BFC4A60E45BD}" type="datetimeFigureOut">
               <a:rPr lang="en-US" smtClean="0"/>
-              <a:t>2022-11-20</a:t>
+              <a:t>2023-01-08</a:t>
             </a:fld>
             <a:endParaRPr lang="en-US"/>
           </a:p>
@@ -3724,31 +3729,6 @@
               <a:rPr lang="en-US" dirty="0"/>
               <a:t>Introduction to Pandas </a:t>
             </a:r>
-          </a:p>
-        </p:txBody>
-      </p:sp>
-      <p:sp>
-        <p:nvSpPr>
-          <p:cNvPr id="3" name="Subtitle 2">
-            <a:extLst>
-              <a:ext uri="{FF2B5EF4-FFF2-40B4-BE49-F238E27FC236}">
-                <a16:creationId xmlns:a16="http://schemas.microsoft.com/office/drawing/2014/main" id="{581440EE-D22A-41F0-8280-11ACB993CD5E}"/>
-              </a:ext>
-            </a:extLst>
-          </p:cNvPr>
-          <p:cNvSpPr>
-            <a:spLocks noGrp="1"/>
-          </p:cNvSpPr>
-          <p:nvPr>
-            <p:ph type="subTitle" idx="1"/>
-          </p:nvPr>
-        </p:nvSpPr>
-        <p:spPr/>
-        <p:txBody>
-          <a:bodyPr/>
-          <a:lstStyle/>
-          <a:p>
-            <a:endParaRPr lang="en-US"/>
           </a:p>
         </p:txBody>
       </p:sp>
